--- a/docs/diagrams/StorageComponentClassDiagram.pptx
+++ b/docs/diagrams/StorageComponentClassDiagram.pptx
@@ -208,7 +208,7 @@
           <a:p>
             <a:fld id="{F5CC4B3F-88C1-4FFA-B1B6-F41C21DC6924}" type="datetimeFigureOut">
               <a:rPr lang="en-US" smtClean="0"/>
-              <a:t>12/1/2018</a:t>
+              <a:t>4/14/2019</a:t>
             </a:fld>
             <a:endParaRPr lang="en-US"/>
           </a:p>
@@ -654,7 +654,7 @@
           <a:p>
             <a:fld id="{78C97017-6FC3-485B-9764-EAC9E56C1D49}" type="datetimeFigureOut">
               <a:rPr lang="en-US" smtClean="0"/>
-              <a:t>12/1/2018</a:t>
+              <a:t>4/14/2019</a:t>
             </a:fld>
             <a:endParaRPr lang="en-US"/>
           </a:p>
@@ -822,7 +822,7 @@
           <a:p>
             <a:fld id="{78C97017-6FC3-485B-9764-EAC9E56C1D49}" type="datetimeFigureOut">
               <a:rPr lang="en-US" smtClean="0"/>
-              <a:t>12/1/2018</a:t>
+              <a:t>4/14/2019</a:t>
             </a:fld>
             <a:endParaRPr lang="en-US"/>
           </a:p>
@@ -1000,7 +1000,7 @@
           <a:p>
             <a:fld id="{78C97017-6FC3-485B-9764-EAC9E56C1D49}" type="datetimeFigureOut">
               <a:rPr lang="en-US" smtClean="0"/>
-              <a:t>12/1/2018</a:t>
+              <a:t>4/14/2019</a:t>
             </a:fld>
             <a:endParaRPr lang="en-US"/>
           </a:p>
@@ -1168,7 +1168,7 @@
           <a:p>
             <a:fld id="{78C97017-6FC3-485B-9764-EAC9E56C1D49}" type="datetimeFigureOut">
               <a:rPr lang="en-US" smtClean="0"/>
-              <a:t>12/1/2018</a:t>
+              <a:t>4/14/2019</a:t>
             </a:fld>
             <a:endParaRPr lang="en-US"/>
           </a:p>
@@ -1413,7 +1413,7 @@
           <a:p>
             <a:fld id="{78C97017-6FC3-485B-9764-EAC9E56C1D49}" type="datetimeFigureOut">
               <a:rPr lang="en-US" smtClean="0"/>
-              <a:t>12/1/2018</a:t>
+              <a:t>4/14/2019</a:t>
             </a:fld>
             <a:endParaRPr lang="en-US"/>
           </a:p>
@@ -1698,7 +1698,7 @@
           <a:p>
             <a:fld id="{78C97017-6FC3-485B-9764-EAC9E56C1D49}" type="datetimeFigureOut">
               <a:rPr lang="en-US" smtClean="0"/>
-              <a:t>12/1/2018</a:t>
+              <a:t>4/14/2019</a:t>
             </a:fld>
             <a:endParaRPr lang="en-US"/>
           </a:p>
@@ -2117,7 +2117,7 @@
           <a:p>
             <a:fld id="{78C97017-6FC3-485B-9764-EAC9E56C1D49}" type="datetimeFigureOut">
               <a:rPr lang="en-US" smtClean="0"/>
-              <a:t>12/1/2018</a:t>
+              <a:t>4/14/2019</a:t>
             </a:fld>
             <a:endParaRPr lang="en-US"/>
           </a:p>
@@ -2234,7 +2234,7 @@
           <a:p>
             <a:fld id="{78C97017-6FC3-485B-9764-EAC9E56C1D49}" type="datetimeFigureOut">
               <a:rPr lang="en-US" smtClean="0"/>
-              <a:t>12/1/2018</a:t>
+              <a:t>4/14/2019</a:t>
             </a:fld>
             <a:endParaRPr lang="en-US"/>
           </a:p>
@@ -2329,7 +2329,7 @@
           <a:p>
             <a:fld id="{78C97017-6FC3-485B-9764-EAC9E56C1D49}" type="datetimeFigureOut">
               <a:rPr lang="en-US" smtClean="0"/>
-              <a:t>12/1/2018</a:t>
+              <a:t>4/14/2019</a:t>
             </a:fld>
             <a:endParaRPr lang="en-US"/>
           </a:p>
@@ -2604,7 +2604,7 @@
           <a:p>
             <a:fld id="{78C97017-6FC3-485B-9764-EAC9E56C1D49}" type="datetimeFigureOut">
               <a:rPr lang="en-US" smtClean="0"/>
-              <a:t>12/1/2018</a:t>
+              <a:t>4/14/2019</a:t>
             </a:fld>
             <a:endParaRPr lang="en-US"/>
           </a:p>
@@ -2856,7 +2856,7 @@
           <a:p>
             <a:fld id="{78C97017-6FC3-485B-9764-EAC9E56C1D49}" type="datetimeFigureOut">
               <a:rPr lang="en-US" smtClean="0"/>
-              <a:t>12/1/2018</a:t>
+              <a:t>4/14/2019</a:t>
             </a:fld>
             <a:endParaRPr lang="en-US"/>
           </a:p>
@@ -3067,7 +3067,7 @@
           <a:p>
             <a:fld id="{78C97017-6FC3-485B-9764-EAC9E56C1D49}" type="datetimeFigureOut">
               <a:rPr lang="en-US" smtClean="0"/>
-              <a:t>12/1/2018</a:t>
+              <a:t>4/14/2019</a:t>
             </a:fld>
             <a:endParaRPr lang="en-US"/>
           </a:p>
@@ -3570,12 +3570,12 @@
               </a:rPr>
             </a:br>
             <a:r>
-              <a:rPr lang="en-US" sz="1050" dirty="0" err="1">
+              <a:rPr lang="en-US" sz="1000" dirty="0" err="1">
                 <a:solidFill>
                   <a:schemeClr val="bg1"/>
                 </a:solidFill>
               </a:rPr>
-              <a:t>AddressBookStorage</a:t>
+              <a:t>FashionMatchStorage</a:t>
             </a:r>
             <a:endParaRPr lang="en-SG" sz="1050" dirty="0">
               <a:solidFill>
@@ -4141,14 +4141,14 @@
           <a:p>
             <a:pPr algn="ctr"/>
             <a:r>
-              <a:rPr lang="en-US" sz="1050" b="1" dirty="0" err="1">
+              <a:rPr lang="en-US" sz="1000" b="1" dirty="0" err="1">
                 <a:solidFill>
                   <a:schemeClr val="accent6">
                     <a:lumMod val="75000"/>
                   </a:schemeClr>
                 </a:solidFill>
               </a:rPr>
-              <a:t>JsonAddressBook</a:t>
+              <a:t>JsonFashionMatch</a:t>
             </a:r>
             <a:br>
               <a:rPr lang="en-US" sz="1050" b="1" dirty="0">
@@ -4593,105 +4593,7 @@
                   </a:schemeClr>
                 </a:solidFill>
               </a:rPr>
-              <a:t>AddressBook</a:t>
-            </a:r>
-            <a:endParaRPr lang="en-SG" sz="1050" b="1" dirty="0">
-              <a:solidFill>
-                <a:schemeClr val="accent6">
-                  <a:lumMod val="75000"/>
-                </a:schemeClr>
-              </a:solidFill>
-            </a:endParaRPr>
-          </a:p>
-        </p:txBody>
-      </p:sp>
-      <p:cxnSp>
-        <p:nvCxnSpPr>
-          <p:cNvPr id="70" name="Elbow Connector 122"/>
-          <p:cNvCxnSpPr>
-            <a:cxnSpLocks/>
-            <a:stCxn id="74" idx="0"/>
-            <a:endCxn id="73" idx="2"/>
-          </p:cNvCxnSpPr>
-          <p:nvPr/>
-        </p:nvCxnSpPr>
-        <p:spPr>
-          <a:xfrm rot="16200000" flipV="1">
-            <a:off x="8077993" y="2992019"/>
-            <a:ext cx="335208" cy="1"/>
-          </a:xfrm>
-          <a:prstGeom prst="bentConnector3">
-            <a:avLst>
-              <a:gd name="adj1" fmla="val 50000"/>
-            </a:avLst>
-          </a:prstGeom>
-          <a:ln w="19050">
-            <a:prstDash val="sysDot"/>
-            <a:headEnd type="none" w="med" len="med"/>
-            <a:tailEnd type="arrow" w="med" len="med"/>
-          </a:ln>
-          <a:effectLst/>
-        </p:spPr>
-        <p:style>
-          <a:lnRef idx="1">
-            <a:schemeClr val="accent6"/>
-          </a:lnRef>
-          <a:fillRef idx="2">
-            <a:schemeClr val="accent6"/>
-          </a:fillRef>
-          <a:effectRef idx="1">
-            <a:schemeClr val="accent6"/>
-          </a:effectRef>
-          <a:fontRef idx="minor">
-            <a:schemeClr val="dk1"/>
-          </a:fontRef>
-        </p:style>
-      </p:cxnSp>
-      <p:sp>
-        <p:nvSpPr>
-          <p:cNvPr id="73" name="Rectangle 8"/>
-          <p:cNvSpPr/>
-          <p:nvPr/>
-        </p:nvSpPr>
-        <p:spPr>
-          <a:xfrm>
-            <a:off x="7615736" y="2477656"/>
-            <a:ext cx="1259719" cy="346760"/>
-          </a:xfrm>
-          <a:prstGeom prst="rect">
-            <a:avLst/>
-          </a:prstGeom>
-          <a:ln w="19050"/>
-          <a:effectLst/>
-        </p:spPr>
-        <p:style>
-          <a:lnRef idx="1">
-            <a:schemeClr val="accent6"/>
-          </a:lnRef>
-          <a:fillRef idx="2">
-            <a:schemeClr val="accent6"/>
-          </a:fillRef>
-          <a:effectRef idx="1">
-            <a:schemeClr val="accent6"/>
-          </a:effectRef>
-          <a:fontRef idx="minor">
-            <a:schemeClr val="dk1"/>
-          </a:fontRef>
-        </p:style>
-        <p:txBody>
-          <a:bodyPr rtlCol="0" anchor="ctr"/>
-          <a:lstStyle/>
-          <a:p>
-            <a:pPr algn="ctr"/>
-            <a:r>
-              <a:rPr lang="en-US" sz="1050" b="1" dirty="0" err="1">
-                <a:solidFill>
-                  <a:schemeClr val="accent6">
-                    <a:lumMod val="75000"/>
-                  </a:schemeClr>
-                </a:solidFill>
-              </a:rPr>
-              <a:t>JsonAdaptedTag</a:t>
+              <a:t>FashionMatch</a:t>
             </a:r>
             <a:endParaRPr lang="en-SG" sz="1050" b="1" dirty="0">
               <a:solidFill>
@@ -4740,16 +4642,16 @@
           <a:p>
             <a:pPr algn="ctr"/>
             <a:r>
-              <a:rPr lang="en-US" sz="1030" b="1" dirty="0" err="1">
+              <a:rPr lang="en-US" sz="980" b="1" dirty="0" err="1">
                 <a:solidFill>
                   <a:schemeClr val="accent6">
                     <a:lumMod val="75000"/>
                   </a:schemeClr>
                 </a:solidFill>
               </a:rPr>
-              <a:t>JsonAdaptedPerson</a:t>
-            </a:r>
-            <a:endParaRPr lang="en-SG" sz="1030" b="1" dirty="0">
+              <a:t>JsonAdaptedApparel</a:t>
+            </a:r>
+            <a:endParaRPr lang="en-SG" sz="980" b="1" dirty="0">
               <a:solidFill>
                 <a:schemeClr val="accent6">
                   <a:lumMod val="75000"/>
